--- a/09_Communication Management/Group15_Supervisor_meeting_1.pptx
+++ b/09_Communication Management/Group15_Supervisor_meeting_1.pptx
@@ -8,6 +8,7 @@
     <p:sldId id="256" r:id="rId2"/>
     <p:sldId id="257" r:id="rId3"/>
     <p:sldId id="258" r:id="rId4"/>
+    <p:sldId id="259" r:id="rId5"/>
   </p:sldIdLst>
   <p:sldSz cx="12192000" cy="6858000"/>
   <p:notesSz cx="6858000" cy="9144000"/>
@@ -106,6 +107,11 @@
       </a:defRPr>
     </a:lvl9pPr>
   </p:defaultTextStyle>
+  <p:extLst>
+    <p:ext uri="{EFAFB233-063F-42B5-8137-9DF3F51BA10A}">
+      <p15:sldGuideLst xmlns:p15="http://schemas.microsoft.com/office/powerpoint/2012/main"/>
+    </p:ext>
+  </p:extLst>
 </p:presentation>
 </file>
 
@@ -3677,6 +3683,193 @@
 </p:sld>
 </file>
 
+<file path=ppt/slides/slide4.xml><?xml version="1.0" encoding="utf-8"?>
+<p:sld xmlns:a="http://schemas.openxmlformats.org/drawingml/2006/main" xmlns:r="http://schemas.openxmlformats.org/officeDocument/2006/relationships" xmlns:p="http://schemas.openxmlformats.org/presentationml/2006/main">
+  <p:cSld>
+    <p:spTree>
+      <p:nvGrpSpPr>
+        <p:cNvPr id="1" name=""/>
+        <p:cNvGrpSpPr/>
+        <p:nvPr/>
+      </p:nvGrpSpPr>
+      <p:grpSpPr>
+        <a:xfrm>
+          <a:off x="0" y="0"/>
+          <a:ext cx="0" cy="0"/>
+          <a:chOff x="0" y="0"/>
+          <a:chExt cx="0" cy="0"/>
+        </a:xfrm>
+      </p:grpSpPr>
+      <p:sp>
+        <p:nvSpPr>
+          <p:cNvPr id="2" name="Title 1">
+            <a:extLst>
+              <a:ext uri="{FF2B5EF4-FFF2-40B4-BE49-F238E27FC236}">
+                <a16:creationId xmlns:a16="http://schemas.microsoft.com/office/drawing/2014/main" id="{568B7E0F-DEF6-EAC8-B716-F7C18FD70892}"/>
+              </a:ext>
+            </a:extLst>
+          </p:cNvPr>
+          <p:cNvSpPr>
+            <a:spLocks noGrp="1"/>
+          </p:cNvSpPr>
+          <p:nvPr>
+            <p:ph type="title"/>
+          </p:nvPr>
+        </p:nvSpPr>
+        <p:spPr/>
+        <p:txBody>
+          <a:bodyPr/>
+          <a:lstStyle/>
+          <a:p>
+            <a:r>
+              <a:rPr lang="en-US" dirty="0"/>
+              <a:t>Materials list</a:t>
+            </a:r>
+          </a:p>
+        </p:txBody>
+      </p:sp>
+      <p:sp>
+        <p:nvSpPr>
+          <p:cNvPr id="3" name="TextBox 2">
+            <a:extLst>
+              <a:ext uri="{FF2B5EF4-FFF2-40B4-BE49-F238E27FC236}">
+                <a16:creationId xmlns:a16="http://schemas.microsoft.com/office/drawing/2014/main" id="{1CF808EF-FA2D-46CD-88D9-0508BC0E7F7D}"/>
+              </a:ext>
+            </a:extLst>
+          </p:cNvPr>
+          <p:cNvSpPr txBox="1"/>
+          <p:nvPr/>
+        </p:nvSpPr>
+        <p:spPr>
+          <a:xfrm>
+            <a:off x="838200" y="1690688"/>
+            <a:ext cx="6003984" cy="2585323"/>
+          </a:xfrm>
+          <a:prstGeom prst="rect">
+            <a:avLst/>
+          </a:prstGeom>
+          <a:noFill/>
+        </p:spPr>
+        <p:txBody>
+          <a:bodyPr wrap="square" rtlCol="0">
+            <a:spAutoFit/>
+          </a:bodyPr>
+          <a:lstStyle/>
+          <a:p>
+            <a:pPr marL="342900" indent="-342900">
+              <a:buAutoNum type="arabicPeriod"/>
+            </a:pPr>
+            <a:r>
+              <a:rPr lang="en-GB" dirty="0"/>
+              <a:t>HX711 Interface Module (already available)</a:t>
+            </a:r>
+          </a:p>
+          <a:p>
+            <a:pPr marL="342900" indent="-342900">
+              <a:buAutoNum type="arabicPeriod"/>
+            </a:pPr>
+            <a:r>
+              <a:rPr lang="en-GB" dirty="0"/>
+              <a:t>ESP32 (already available) </a:t>
+            </a:r>
+          </a:p>
+          <a:p>
+            <a:pPr marL="342900" indent="-342900">
+              <a:buAutoNum type="arabicPeriod"/>
+            </a:pPr>
+            <a:r>
+              <a:rPr lang="en-GB" dirty="0"/>
+              <a:t>Two Load cells (already available) </a:t>
+            </a:r>
+          </a:p>
+          <a:p>
+            <a:pPr marL="342900" indent="-342900">
+              <a:buAutoNum type="arabicPeriod"/>
+            </a:pPr>
+            <a:r>
+              <a:rPr lang="en-GB" dirty="0"/>
+              <a:t>L298N Motor Driver Chip (39,95 </a:t>
+            </a:r>
+            <a:r>
+              <a:rPr lang="en-GB" dirty="0" err="1"/>
+              <a:t>kr</a:t>
+            </a:r>
+            <a:r>
+              <a:rPr lang="en-GB" dirty="0"/>
+              <a:t>)</a:t>
+            </a:r>
+          </a:p>
+          <a:p>
+            <a:pPr marL="342900" indent="-342900">
+              <a:buAutoNum type="arabicPeriod"/>
+            </a:pPr>
+            <a:r>
+              <a:rPr lang="en-GB" dirty="0"/>
+              <a:t>OLED 128×32 (61,25 </a:t>
+            </a:r>
+            <a:r>
+              <a:rPr lang="en-GB" dirty="0" err="1"/>
+              <a:t>kr</a:t>
+            </a:r>
+            <a:r>
+              <a:rPr lang="en-GB" dirty="0"/>
+              <a:t>)</a:t>
+            </a:r>
+          </a:p>
+          <a:p>
+            <a:pPr marL="342900" indent="-342900">
+              <a:buAutoNum type="arabicPeriod"/>
+            </a:pPr>
+            <a:r>
+              <a:rPr lang="en-GB" dirty="0"/>
+              <a:t>2 DC motors (have not been decided upon yet)</a:t>
+            </a:r>
+          </a:p>
+          <a:p>
+            <a:pPr marL="342900" indent="-342900">
+              <a:buFontTx/>
+              <a:buAutoNum type="arabicPeriod"/>
+            </a:pPr>
+            <a:r>
+              <a:rPr lang="en-GB" dirty="0"/>
+              <a:t>1 Stepper motor (have not been decided upon yet)</a:t>
+            </a:r>
+          </a:p>
+          <a:p>
+            <a:pPr marL="342900" indent="-342900">
+              <a:buFontTx/>
+              <a:buAutoNum type="arabicPeriod"/>
+            </a:pPr>
+            <a:r>
+              <a:rPr lang="en-US" dirty="0"/>
+              <a:t>1 Servo motor </a:t>
+            </a:r>
+            <a:r>
+              <a:rPr lang="en-GB" dirty="0"/>
+              <a:t>(have not been decided upon yet)</a:t>
+            </a:r>
+          </a:p>
+          <a:p>
+            <a:pPr marL="342900" indent="-342900">
+              <a:buAutoNum type="arabicPeriod"/>
+            </a:pPr>
+            <a:endParaRPr lang="en-US" dirty="0"/>
+          </a:p>
+        </p:txBody>
+      </p:sp>
+    </p:spTree>
+    <p:extLst>
+      <p:ext uri="{BB962C8B-B14F-4D97-AF65-F5344CB8AC3E}">
+        <p14:creationId xmlns:p14="http://schemas.microsoft.com/office/powerpoint/2010/main" val="2205145871"/>
+      </p:ext>
+    </p:extLst>
+  </p:cSld>
+  <p:clrMapOvr>
+    <a:masterClrMapping/>
+  </p:clrMapOvr>
+</p:sld>
+</file>
+
 <file path=ppt/theme/theme1.xml><?xml version="1.0" encoding="utf-8"?>
 <a:theme xmlns:a="http://schemas.openxmlformats.org/drawingml/2006/main" name="Office Theme">
   <a:themeElements>

--- a/09_Communication Management/Group15_Supervisor_meeting_1.pptx
+++ b/09_Communication Management/Group15_Supervisor_meeting_1.pptx
@@ -262,7 +262,7 @@
           <a:p>
             <a:fld id="{75C5A148-FF60-465D-869F-F31E7031A01F}" type="datetimeFigureOut">
               <a:rPr lang="en-US" smtClean="0"/>
-              <a:t>10/12/2023</a:t>
+              <a:t>10/13/2023</a:t>
             </a:fld>
             <a:endParaRPr lang="en-US"/>
           </a:p>
@@ -460,7 +460,7 @@
           <a:p>
             <a:fld id="{75C5A148-FF60-465D-869F-F31E7031A01F}" type="datetimeFigureOut">
               <a:rPr lang="en-US" smtClean="0"/>
-              <a:t>10/12/2023</a:t>
+              <a:t>10/13/2023</a:t>
             </a:fld>
             <a:endParaRPr lang="en-US"/>
           </a:p>
@@ -668,7 +668,7 @@
           <a:p>
             <a:fld id="{75C5A148-FF60-465D-869F-F31E7031A01F}" type="datetimeFigureOut">
               <a:rPr lang="en-US" smtClean="0"/>
-              <a:t>10/12/2023</a:t>
+              <a:t>10/13/2023</a:t>
             </a:fld>
             <a:endParaRPr lang="en-US"/>
           </a:p>
@@ -866,7 +866,7 @@
           <a:p>
             <a:fld id="{75C5A148-FF60-465D-869F-F31E7031A01F}" type="datetimeFigureOut">
               <a:rPr lang="en-US" smtClean="0"/>
-              <a:t>10/12/2023</a:t>
+              <a:t>10/13/2023</a:t>
             </a:fld>
             <a:endParaRPr lang="en-US"/>
           </a:p>
@@ -1141,7 +1141,7 @@
           <a:p>
             <a:fld id="{75C5A148-FF60-465D-869F-F31E7031A01F}" type="datetimeFigureOut">
               <a:rPr lang="en-US" smtClean="0"/>
-              <a:t>10/12/2023</a:t>
+              <a:t>10/13/2023</a:t>
             </a:fld>
             <a:endParaRPr lang="en-US"/>
           </a:p>
@@ -1406,7 +1406,7 @@
           <a:p>
             <a:fld id="{75C5A148-FF60-465D-869F-F31E7031A01F}" type="datetimeFigureOut">
               <a:rPr lang="en-US" smtClean="0"/>
-              <a:t>10/12/2023</a:t>
+              <a:t>10/13/2023</a:t>
             </a:fld>
             <a:endParaRPr lang="en-US"/>
           </a:p>
@@ -1818,7 +1818,7 @@
           <a:p>
             <a:fld id="{75C5A148-FF60-465D-869F-F31E7031A01F}" type="datetimeFigureOut">
               <a:rPr lang="en-US" smtClean="0"/>
-              <a:t>10/12/2023</a:t>
+              <a:t>10/13/2023</a:t>
             </a:fld>
             <a:endParaRPr lang="en-US"/>
           </a:p>
@@ -1959,7 +1959,7 @@
           <a:p>
             <a:fld id="{75C5A148-FF60-465D-869F-F31E7031A01F}" type="datetimeFigureOut">
               <a:rPr lang="en-US" smtClean="0"/>
-              <a:t>10/12/2023</a:t>
+              <a:t>10/13/2023</a:t>
             </a:fld>
             <a:endParaRPr lang="en-US"/>
           </a:p>
@@ -2072,7 +2072,7 @@
           <a:p>
             <a:fld id="{75C5A148-FF60-465D-869F-F31E7031A01F}" type="datetimeFigureOut">
               <a:rPr lang="en-US" smtClean="0"/>
-              <a:t>10/12/2023</a:t>
+              <a:t>10/13/2023</a:t>
             </a:fld>
             <a:endParaRPr lang="en-US"/>
           </a:p>
@@ -2383,7 +2383,7 @@
           <a:p>
             <a:fld id="{75C5A148-FF60-465D-869F-F31E7031A01F}" type="datetimeFigureOut">
               <a:rPr lang="en-US" smtClean="0"/>
-              <a:t>10/12/2023</a:t>
+              <a:t>10/13/2023</a:t>
             </a:fld>
             <a:endParaRPr lang="en-US"/>
           </a:p>
@@ -2671,7 +2671,7 @@
           <a:p>
             <a:fld id="{75C5A148-FF60-465D-869F-F31E7031A01F}" type="datetimeFigureOut">
               <a:rPr lang="en-US" smtClean="0"/>
-              <a:t>10/12/2023</a:t>
+              <a:t>10/13/2023</a:t>
             </a:fld>
             <a:endParaRPr lang="en-US"/>
           </a:p>
@@ -2912,7 +2912,7 @@
           <a:p>
             <a:fld id="{75C5A148-FF60-465D-869F-F31E7031A01F}" type="datetimeFigureOut">
               <a:rPr lang="en-US" smtClean="0"/>
-              <a:t>10/12/2023</a:t>
+              <a:t>10/13/2023</a:t>
             </a:fld>
             <a:endParaRPr lang="en-US"/>
           </a:p>
@@ -3470,7 +3470,7 @@
         <p:spPr>
           <a:xfrm>
             <a:off x="838200" y="1690688"/>
-            <a:ext cx="10619117" cy="3046988"/>
+            <a:ext cx="10619117" cy="3416320"/>
           </a:xfrm>
           <a:prstGeom prst="rect">
             <a:avLst/>
@@ -3521,6 +3521,21 @@
               <a:rPr lang="en-US" sz="2400" dirty="0"/>
               <a:t>MATLAB script for dynamics calculations, motor sizing…</a:t>
             </a:r>
+          </a:p>
+          <a:p>
+            <a:pPr marL="285750" indent="-285750">
+              <a:buFont typeface="Arial" panose="020B0604020202020204" pitchFamily="34" charset="0"/>
+              <a:buChar char="•"/>
+            </a:pPr>
+            <a:r>
+              <a:rPr lang="en-US" sz="2400" dirty="0"/>
+              <a:t>Various </a:t>
+            </a:r>
+            <a:r>
+              <a:rPr lang="en-US" sz="2400"/>
+              <a:t>components already sourced</a:t>
+            </a:r>
+            <a:endParaRPr lang="en-US" sz="2400" dirty="0"/>
           </a:p>
           <a:p>
             <a:pPr marL="285750" indent="-285750">
@@ -3827,12 +3842,11 @@
           </a:p>
           <a:p>
             <a:pPr marL="342900" indent="-342900">
-              <a:buFontTx/>
               <a:buAutoNum type="arabicPeriod"/>
             </a:pPr>
             <a:r>
               <a:rPr lang="en-GB" dirty="0"/>
-              <a:t>1 Stepper motor (have not been decided upon yet)</a:t>
+              <a:t>1 DC motor (already available)</a:t>
             </a:r>
           </a:p>
           <a:p>

--- a/09_Communication Management/Group15_Supervisor_meeting_1.pptx
+++ b/09_Communication Management/Group15_Supervisor_meeting_1.pptx
@@ -115,6 +115,35 @@
 </p:presentation>
 </file>
 
+<file path=ppt/changesInfos/changesInfo1.xml><?xml version="1.0" encoding="utf-8"?>
+<pc:chgInfo xmlns:a="http://schemas.openxmlformats.org/drawingml/2006/main" xmlns:r="http://schemas.openxmlformats.org/officeDocument/2006/relationships" xmlns:ac="http://schemas.microsoft.com/office/drawing/2013/main/command" xmlns:pc="http://schemas.microsoft.com/office/powerpoint/2013/main/command">
+  <pc:docChgLst>
+    <pc:chgData name="Felix Hoch" userId="fbf8bd916c9f51b6" providerId="LiveId" clId="{EF87D9A2-C428-4289-9F1C-237AF002D2E1}"/>
+    <pc:docChg chg="custSel modSld">
+      <pc:chgData name="Felix Hoch" userId="fbf8bd916c9f51b6" providerId="LiveId" clId="{EF87D9A2-C428-4289-9F1C-237AF002D2E1}" dt="2023-10-13T10:56:45.510" v="328" actId="20577"/>
+      <pc:docMkLst>
+        <pc:docMk/>
+      </pc:docMkLst>
+      <pc:sldChg chg="modSp mod">
+        <pc:chgData name="Felix Hoch" userId="fbf8bd916c9f51b6" providerId="LiveId" clId="{EF87D9A2-C428-4289-9F1C-237AF002D2E1}" dt="2023-10-13T10:56:45.510" v="328" actId="20577"/>
+        <pc:sldMkLst>
+          <pc:docMk/>
+          <pc:sldMk cId="2205145871" sldId="259"/>
+        </pc:sldMkLst>
+        <pc:spChg chg="mod">
+          <ac:chgData name="Felix Hoch" userId="fbf8bd916c9f51b6" providerId="LiveId" clId="{EF87D9A2-C428-4289-9F1C-237AF002D2E1}" dt="2023-10-13T10:56:45.510" v="328" actId="20577"/>
+          <ac:spMkLst>
+            <pc:docMk/>
+            <pc:sldMk cId="2205145871" sldId="259"/>
+            <ac:spMk id="3" creationId="{1CF808EF-FA2D-46CD-88D9-0508BC0E7F7D}"/>
+          </ac:spMkLst>
+        </pc:spChg>
+      </pc:sldChg>
+    </pc:docChg>
+  </pc:docChgLst>
+</pc:chgInfo>
+</file>
+
 <file path=ppt/slideLayouts/slideLayout1.xml><?xml version="1.0" encoding="utf-8"?>
 <p:sldLayout xmlns:a="http://schemas.openxmlformats.org/drawingml/2006/main" xmlns:r="http://schemas.openxmlformats.org/officeDocument/2006/relationships" xmlns:p="http://schemas.openxmlformats.org/presentationml/2006/main" type="title" preserve="1">
   <p:cSld name="Title Slide">
@@ -262,7 +291,7 @@
           <a:p>
             <a:fld id="{75C5A148-FF60-465D-869F-F31E7031A01F}" type="datetimeFigureOut">
               <a:rPr lang="en-US" smtClean="0"/>
-              <a:t>10/12/2023</a:t>
+              <a:t>10/13/2023</a:t>
             </a:fld>
             <a:endParaRPr lang="en-US"/>
           </a:p>
@@ -460,7 +489,7 @@
           <a:p>
             <a:fld id="{75C5A148-FF60-465D-869F-F31E7031A01F}" type="datetimeFigureOut">
               <a:rPr lang="en-US" smtClean="0"/>
-              <a:t>10/12/2023</a:t>
+              <a:t>10/13/2023</a:t>
             </a:fld>
             <a:endParaRPr lang="en-US"/>
           </a:p>
@@ -668,7 +697,7 @@
           <a:p>
             <a:fld id="{75C5A148-FF60-465D-869F-F31E7031A01F}" type="datetimeFigureOut">
               <a:rPr lang="en-US" smtClean="0"/>
-              <a:t>10/12/2023</a:t>
+              <a:t>10/13/2023</a:t>
             </a:fld>
             <a:endParaRPr lang="en-US"/>
           </a:p>
@@ -866,7 +895,7 @@
           <a:p>
             <a:fld id="{75C5A148-FF60-465D-869F-F31E7031A01F}" type="datetimeFigureOut">
               <a:rPr lang="en-US" smtClean="0"/>
-              <a:t>10/12/2023</a:t>
+              <a:t>10/13/2023</a:t>
             </a:fld>
             <a:endParaRPr lang="en-US"/>
           </a:p>
@@ -1141,7 +1170,7 @@
           <a:p>
             <a:fld id="{75C5A148-FF60-465D-869F-F31E7031A01F}" type="datetimeFigureOut">
               <a:rPr lang="en-US" smtClean="0"/>
-              <a:t>10/12/2023</a:t>
+              <a:t>10/13/2023</a:t>
             </a:fld>
             <a:endParaRPr lang="en-US"/>
           </a:p>
@@ -1406,7 +1435,7 @@
           <a:p>
             <a:fld id="{75C5A148-FF60-465D-869F-F31E7031A01F}" type="datetimeFigureOut">
               <a:rPr lang="en-US" smtClean="0"/>
-              <a:t>10/12/2023</a:t>
+              <a:t>10/13/2023</a:t>
             </a:fld>
             <a:endParaRPr lang="en-US"/>
           </a:p>
@@ -1818,7 +1847,7 @@
           <a:p>
             <a:fld id="{75C5A148-FF60-465D-869F-F31E7031A01F}" type="datetimeFigureOut">
               <a:rPr lang="en-US" smtClean="0"/>
-              <a:t>10/12/2023</a:t>
+              <a:t>10/13/2023</a:t>
             </a:fld>
             <a:endParaRPr lang="en-US"/>
           </a:p>
@@ -1959,7 +1988,7 @@
           <a:p>
             <a:fld id="{75C5A148-FF60-465D-869F-F31E7031A01F}" type="datetimeFigureOut">
               <a:rPr lang="en-US" smtClean="0"/>
-              <a:t>10/12/2023</a:t>
+              <a:t>10/13/2023</a:t>
             </a:fld>
             <a:endParaRPr lang="en-US"/>
           </a:p>
@@ -2072,7 +2101,7 @@
           <a:p>
             <a:fld id="{75C5A148-FF60-465D-869F-F31E7031A01F}" type="datetimeFigureOut">
               <a:rPr lang="en-US" smtClean="0"/>
-              <a:t>10/12/2023</a:t>
+              <a:t>10/13/2023</a:t>
             </a:fld>
             <a:endParaRPr lang="en-US"/>
           </a:p>
@@ -2383,7 +2412,7 @@
           <a:p>
             <a:fld id="{75C5A148-FF60-465D-869F-F31E7031A01F}" type="datetimeFigureOut">
               <a:rPr lang="en-US" smtClean="0"/>
-              <a:t>10/12/2023</a:t>
+              <a:t>10/13/2023</a:t>
             </a:fld>
             <a:endParaRPr lang="en-US"/>
           </a:p>
@@ -2671,7 +2700,7 @@
           <a:p>
             <a:fld id="{75C5A148-FF60-465D-869F-F31E7031A01F}" type="datetimeFigureOut">
               <a:rPr lang="en-US" smtClean="0"/>
-              <a:t>10/12/2023</a:t>
+              <a:t>10/13/2023</a:t>
             </a:fld>
             <a:endParaRPr lang="en-US"/>
           </a:p>
@@ -2912,7 +2941,7 @@
           <a:p>
             <a:fld id="{75C5A148-FF60-465D-869F-F31E7031A01F}" type="datetimeFigureOut">
               <a:rPr lang="en-US" smtClean="0"/>
-              <a:t>10/12/2023</a:t>
+              <a:t>10/13/2023</a:t>
             </a:fld>
             <a:endParaRPr lang="en-US"/>
           </a:p>
@@ -3743,7 +3772,7 @@
         <p:spPr>
           <a:xfrm>
             <a:off x="838200" y="1690688"/>
-            <a:ext cx="6003984" cy="2585323"/>
+            <a:ext cx="8940282" cy="3416320"/>
           </a:xfrm>
           <a:prstGeom prst="rect">
             <a:avLst/>
@@ -3832,7 +3861,7 @@
             </a:pPr>
             <a:r>
               <a:rPr lang="en-GB" dirty="0"/>
-              <a:t>1 Stepper motor (have not been decided upon yet)</a:t>
+              <a:t>1 Geared DC()</a:t>
             </a:r>
           </a:p>
           <a:p>
@@ -3851,8 +3880,127 @@
           </a:p>
           <a:p>
             <a:pPr marL="342900" indent="-342900">
+              <a:buFontTx/>
               <a:buAutoNum type="arabicPeriod"/>
             </a:pPr>
+            <a:r>
+              <a:rPr lang="en-GB" dirty="0"/>
+              <a:t>2 Linear Plastic Bearings (</a:t>
+            </a:r>
+            <a:r>
+              <a:rPr lang="da-DK" b="1" dirty="0"/>
+              <a:t>Igus Leje, ID: 8 mm, AD: 16 mm,</a:t>
+            </a:r>
+            <a:r>
+              <a:rPr lang="en-GB" dirty="0"/>
+              <a:t>) 113 (</a:t>
+            </a:r>
+            <a:r>
+              <a:rPr lang="en-GB" dirty="0" err="1"/>
+              <a:t>kr</a:t>
+            </a:r>
+            <a:r>
+              <a:rPr lang="en-GB" dirty="0"/>
+              <a:t>)</a:t>
+            </a:r>
+          </a:p>
+          <a:p>
+            <a:pPr marL="342900" indent="-342900">
+              <a:buFontTx/>
+              <a:buAutoNum type="arabicPeriod"/>
+            </a:pPr>
+            <a:r>
+              <a:rPr lang="en-GB" dirty="0"/>
+              <a:t>1 Steel rod clean 8x300mm (62,01 </a:t>
+            </a:r>
+            <a:r>
+              <a:rPr lang="en-GB" dirty="0" err="1"/>
+              <a:t>kr</a:t>
+            </a:r>
+            <a:r>
+              <a:rPr lang="en-GB" dirty="0"/>
+              <a:t>)</a:t>
+            </a:r>
+          </a:p>
+          <a:p>
+            <a:pPr marL="342900" indent="-342900">
+              <a:buFontTx/>
+              <a:buAutoNum type="arabicPeriod"/>
+            </a:pPr>
+            <a:r>
+              <a:rPr lang="en-GB"/>
+              <a:t>Lead screw 10mm </a:t>
+            </a:r>
+            <a:r>
+              <a:rPr lang="en-GB" dirty="0"/>
+              <a:t>(103 </a:t>
+            </a:r>
+            <a:r>
+              <a:rPr lang="en-GB" dirty="0" err="1"/>
+              <a:t>kr</a:t>
+            </a:r>
+            <a:r>
+              <a:rPr lang="en-GB" dirty="0"/>
+              <a:t>)</a:t>
+            </a:r>
+          </a:p>
+          <a:p>
+            <a:pPr marL="342900" indent="-342900">
+              <a:buFontTx/>
+              <a:buAutoNum type="arabicPeriod"/>
+            </a:pPr>
+            <a:r>
+              <a:rPr lang="en-GB" dirty="0"/>
+              <a:t> nut (</a:t>
+            </a:r>
+            <a:r>
+              <a:rPr lang="en-GB" dirty="0" err="1"/>
+              <a:t>rund</a:t>
+            </a:r>
+            <a:r>
+              <a:rPr lang="en-GB" dirty="0"/>
+              <a:t> </a:t>
+            </a:r>
+            <a:r>
+              <a:rPr lang="en-GB" dirty="0" err="1"/>
+              <a:t>motrik</a:t>
+            </a:r>
+            <a:r>
+              <a:rPr lang="en-GB" dirty="0"/>
+              <a:t>) </a:t>
+            </a:r>
+            <a:r>
+              <a:rPr lang="en-GB" dirty="0" err="1"/>
+              <a:t>til</a:t>
+            </a:r>
+            <a:r>
+              <a:rPr lang="en-GB" dirty="0"/>
+              <a:t> </a:t>
+            </a:r>
+            <a:r>
+              <a:rPr lang="en-GB" dirty="0" err="1"/>
+              <a:t>ledeskrue</a:t>
+            </a:r>
+            <a:r>
+              <a:rPr lang="en-GB" dirty="0"/>
+              <a:t> </a:t>
+            </a:r>
+            <a:r>
+              <a:rPr lang="en-GB" dirty="0" err="1"/>
+              <a:t>dia</a:t>
+            </a:r>
+            <a:r>
+              <a:rPr lang="en-GB" dirty="0"/>
+              <a:t> 10mm (59 </a:t>
+            </a:r>
+            <a:r>
+              <a:rPr lang="en-GB" dirty="0" err="1"/>
+              <a:t>kr</a:t>
+            </a:r>
+            <a:r>
+              <a:rPr lang="en-GB" dirty="0"/>
+              <a:t>)</a:t>
+            </a:r>
             <a:endParaRPr lang="en-US" dirty="0"/>
           </a:p>
         </p:txBody>
